--- a/Presentation/evoShapeRecognizer/Session04/MultiLayerANN.pptx
+++ b/Presentation/evoShapeRecognizer/Session04/MultiLayerANN.pptx
@@ -109,7 +109,43 @@
       </a:defRPr>
     </a:lvl9pPr>
   </p:defaultTextStyle>
+  <p:extLst>
+    <p:ext uri="{EFAFB233-063F-42B5-8137-9DF3F51BA10A}">
+      <p15:sldGuideLst xmlns:p15="http://schemas.microsoft.com/office/powerpoint/2012/main"/>
+    </p:ext>
+  </p:extLst>
 </p:presentation>
+</file>
+
+<file path=ppt/ink/ink1.xml><?xml version="1.0" encoding="utf-8"?>
+<inkml:ink xmlns:inkml="http://www.w3.org/2003/InkML">
+  <inkml:definitions>
+    <inkml:context xml:id="ctx0">
+      <inkml:inkSource xml:id="inkSrc0">
+        <inkml:traceFormat>
+          <inkml:channel name="X" type="integer" max="32767" units="cm"/>
+          <inkml:channel name="Y" type="integer" max="32767" units="cm"/>
+          <inkml:channel name="F" type="integer" max="2047" units="deg"/>
+          <inkml:channel name="T" type="integer" max="2.14748E9" units="dev"/>
+        </inkml:traceFormat>
+        <inkml:channelProperties>
+          <inkml:channelProperty channel="X" name="resolution" value="1516.99072" units="1/cm"/>
+          <inkml:channelProperty channel="Y" name="resolution" value="2427.1853" units="1/cm"/>
+          <inkml:channelProperty channel="F" name="resolution" value="5.68611" units="1/deg"/>
+          <inkml:channelProperty channel="T" name="resolution" value="1" units="1/dev"/>
+        </inkml:channelProperties>
+      </inkml:inkSource>
+      <inkml:timestamp xml:id="ts0" timeString="2022-06-03T13:38:55.394"/>
+    </inkml:context>
+    <inkml:brush xml:id="br0">
+      <inkml:brushProperty name="width" value="0.05292" units="cm"/>
+      <inkml:brushProperty name="height" value="0.05292" units="cm"/>
+      <inkml:brushProperty name="color" value="#FFFFFF"/>
+    </inkml:brush>
+  </inkml:definitions>
+  <inkml:trace contextRef="#ctx0" brushRef="#br0">18140 13975 189 0,'0'0'0'0</inkml:trace>
+  <inkml:trace contextRef="#ctx0" brushRef="#br0" timeOffset="-9603">20511 899 69 0,'0'0'106'16,"0"0"-87"-16,0 0-8 16,0 0 2-16,0 0-13 15,0 0-1-15,0 0-6 16,0 0 4-16,0 0 3 16,0 0 1-16,0 0-1 15,-2 0 0-15,1 0-1 16,-2 0-53-16,1 0-81 15</inkml:trace>
+</inkml:ink>
 </file>
 
 <file path=ppt/notesMasters/notesMaster1.xml><?xml version="1.0" encoding="utf-8"?>
@@ -194,7 +230,7 @@
           <a:p>
             <a:fld id="{511356E3-A9E6-4AFF-83D9-FF970F0F081E}" type="datetimeFigureOut">
               <a:rPr lang="en-US" smtClean="0"/>
-              <a:t>5/31/2022</a:t>
+              <a:t>6/8/2022</a:t>
             </a:fld>
             <a:endParaRPr lang="en-US"/>
           </a:p>
@@ -676,7 +712,7 @@
           <a:p>
             <a:fld id="{81372431-E422-4B67-9E6B-0C0791E233DB}" type="datetimeFigureOut">
               <a:rPr lang="en-US" smtClean="0"/>
-              <a:t>5/31/2022</a:t>
+              <a:t>6/8/2022</a:t>
             </a:fld>
             <a:endParaRPr lang="en-US"/>
           </a:p>
@@ -846,7 +882,7 @@
           <a:p>
             <a:fld id="{81372431-E422-4B67-9E6B-0C0791E233DB}" type="datetimeFigureOut">
               <a:rPr lang="en-US" smtClean="0"/>
-              <a:t>5/31/2022</a:t>
+              <a:t>6/8/2022</a:t>
             </a:fld>
             <a:endParaRPr lang="en-US"/>
           </a:p>
@@ -1026,7 +1062,7 @@
           <a:p>
             <a:fld id="{81372431-E422-4B67-9E6B-0C0791E233DB}" type="datetimeFigureOut">
               <a:rPr lang="en-US" smtClean="0"/>
-              <a:t>5/31/2022</a:t>
+              <a:t>6/8/2022</a:t>
             </a:fld>
             <a:endParaRPr lang="en-US"/>
           </a:p>
@@ -1196,7 +1232,7 @@
           <a:p>
             <a:fld id="{81372431-E422-4B67-9E6B-0C0791E233DB}" type="datetimeFigureOut">
               <a:rPr lang="en-US" smtClean="0"/>
-              <a:t>5/31/2022</a:t>
+              <a:t>6/8/2022</a:t>
             </a:fld>
             <a:endParaRPr lang="en-US"/>
           </a:p>
@@ -1442,7 +1478,7 @@
           <a:p>
             <a:fld id="{81372431-E422-4B67-9E6B-0C0791E233DB}" type="datetimeFigureOut">
               <a:rPr lang="en-US" smtClean="0"/>
-              <a:t>5/31/2022</a:t>
+              <a:t>6/8/2022</a:t>
             </a:fld>
             <a:endParaRPr lang="en-US"/>
           </a:p>
@@ -1674,7 +1710,7 @@
           <a:p>
             <a:fld id="{81372431-E422-4B67-9E6B-0C0791E233DB}" type="datetimeFigureOut">
               <a:rPr lang="en-US" smtClean="0"/>
-              <a:t>5/31/2022</a:t>
+              <a:t>6/8/2022</a:t>
             </a:fld>
             <a:endParaRPr lang="en-US"/>
           </a:p>
@@ -2041,7 +2077,7 @@
           <a:p>
             <a:fld id="{81372431-E422-4B67-9E6B-0C0791E233DB}" type="datetimeFigureOut">
               <a:rPr lang="en-US" smtClean="0"/>
-              <a:t>5/31/2022</a:t>
+              <a:t>6/8/2022</a:t>
             </a:fld>
             <a:endParaRPr lang="en-US"/>
           </a:p>
@@ -2159,7 +2195,7 @@
           <a:p>
             <a:fld id="{81372431-E422-4B67-9E6B-0C0791E233DB}" type="datetimeFigureOut">
               <a:rPr lang="en-US" smtClean="0"/>
-              <a:t>5/31/2022</a:t>
+              <a:t>6/8/2022</a:t>
             </a:fld>
             <a:endParaRPr lang="en-US"/>
           </a:p>
@@ -2254,7 +2290,7 @@
           <a:p>
             <a:fld id="{81372431-E422-4B67-9E6B-0C0791E233DB}" type="datetimeFigureOut">
               <a:rPr lang="en-US" smtClean="0"/>
-              <a:t>5/31/2022</a:t>
+              <a:t>6/8/2022</a:t>
             </a:fld>
             <a:endParaRPr lang="en-US"/>
           </a:p>
@@ -2531,7 +2567,7 @@
           <a:p>
             <a:fld id="{81372431-E422-4B67-9E6B-0C0791E233DB}" type="datetimeFigureOut">
               <a:rPr lang="en-US" smtClean="0"/>
-              <a:t>5/31/2022</a:t>
+              <a:t>6/8/2022</a:t>
             </a:fld>
             <a:endParaRPr lang="en-US"/>
           </a:p>
@@ -2788,7 +2824,7 @@
           <a:p>
             <a:fld id="{81372431-E422-4B67-9E6B-0C0791E233DB}" type="datetimeFigureOut">
               <a:rPr lang="en-US" smtClean="0"/>
-              <a:t>5/31/2022</a:t>
+              <a:t>6/8/2022</a:t>
             </a:fld>
             <a:endParaRPr lang="en-US"/>
           </a:p>
@@ -3001,7 +3037,7 @@
           <a:p>
             <a:fld id="{81372431-E422-4B67-9E6B-0C0791E233DB}" type="datetimeFigureOut">
               <a:rPr lang="en-US" smtClean="0"/>
-              <a:t>5/31/2022</a:t>
+              <a:t>6/8/2022</a:t>
             </a:fld>
             <a:endParaRPr lang="en-US"/>
           </a:p>
@@ -3894,8 +3930,8 @@
             </a:p>
           </p:txBody>
         </p:sp>
-        <mc:AlternateContent xmlns:mc="http://schemas.openxmlformats.org/markup-compatibility/2006">
-          <mc:Choice xmlns:a14="http://schemas.microsoft.com/office/drawing/2010/main" Requires="a14">
+        <mc:AlternateContent xmlns:mc="http://schemas.openxmlformats.org/markup-compatibility/2006" xmlns:a14="http://schemas.microsoft.com/office/drawing/2010/main">
+          <mc:Choice Requires="a14">
             <p:sp>
               <p:nvSpPr>
                 <p:cNvPr id="25" name="TextBox 24">
@@ -3926,6 +3962,7 @@
                 </a:bodyPr>
                 <a:lstStyle/>
                 <a:p>
+                  <a:pPr/>
                   <a14:m>
                     <m:oMathPara xmlns:m="http://schemas.openxmlformats.org/officeDocument/2006/math">
                       <m:oMathParaPr>
@@ -3989,7 +4026,7 @@
               </p:txBody>
             </p:sp>
           </mc:Choice>
-          <mc:Fallback>
+          <mc:Fallback xmlns="">
             <p:sp>
               <p:nvSpPr>
                 <p:cNvPr id="25" name="TextBox 24">
@@ -4035,8 +4072,8 @@
           </mc:Fallback>
         </mc:AlternateContent>
       </p:grpSp>
-      <mc:AlternateContent xmlns:mc="http://schemas.openxmlformats.org/markup-compatibility/2006">
-        <mc:Choice xmlns:a14="http://schemas.microsoft.com/office/drawing/2010/main" Requires="a14">
+      <mc:AlternateContent xmlns:mc="http://schemas.openxmlformats.org/markup-compatibility/2006" xmlns:a14="http://schemas.microsoft.com/office/drawing/2010/main">
+        <mc:Choice Requires="a14">
           <p:sp>
             <p:nvSpPr>
               <p:cNvPr id="27" name="TextBox 26">
@@ -4065,6 +4102,7 @@
               </a:bodyPr>
               <a:lstStyle/>
               <a:p>
+                <a:pPr/>
                 <a14:m>
                   <m:oMathPara xmlns:m="http://schemas.openxmlformats.org/officeDocument/2006/math">
                     <m:oMathParaPr>
@@ -4172,7 +4210,7 @@
             </p:txBody>
           </p:sp>
         </mc:Choice>
-        <mc:Fallback>
+        <mc:Fallback xmlns="">
           <p:sp>
             <p:nvSpPr>
               <p:cNvPr id="27" name="TextBox 26">
@@ -4283,8 +4321,8 @@
             </a:p>
           </p:txBody>
         </p:sp>
-        <mc:AlternateContent xmlns:mc="http://schemas.openxmlformats.org/markup-compatibility/2006">
-          <mc:Choice xmlns:a14="http://schemas.microsoft.com/office/drawing/2010/main" Requires="a14">
+        <mc:AlternateContent xmlns:mc="http://schemas.openxmlformats.org/markup-compatibility/2006" xmlns:a14="http://schemas.microsoft.com/office/drawing/2010/main">
+          <mc:Choice Requires="a14">
             <p:sp>
               <p:nvSpPr>
                 <p:cNvPr id="46" name="TextBox 45">
@@ -4313,6 +4351,7 @@
                 </a:bodyPr>
                 <a:lstStyle/>
                 <a:p>
+                  <a:pPr/>
                   <a14:m>
                     <m:oMathPara xmlns:m="http://schemas.openxmlformats.org/officeDocument/2006/math">
                       <m:oMathParaPr>
@@ -4352,7 +4391,7 @@
               </p:txBody>
             </p:sp>
           </mc:Choice>
-          <mc:Fallback>
+          <mc:Fallback xmlns="">
             <p:sp>
               <p:nvSpPr>
                 <p:cNvPr id="46" name="TextBox 45">
@@ -4464,8 +4503,8 @@
             </a:p>
           </p:txBody>
         </p:sp>
-        <mc:AlternateContent xmlns:mc="http://schemas.openxmlformats.org/markup-compatibility/2006">
-          <mc:Choice xmlns:a14="http://schemas.microsoft.com/office/drawing/2010/main" Requires="a14">
+        <mc:AlternateContent xmlns:mc="http://schemas.openxmlformats.org/markup-compatibility/2006" xmlns:a14="http://schemas.microsoft.com/office/drawing/2010/main">
+          <mc:Choice Requires="a14">
             <p:sp>
               <p:nvSpPr>
                 <p:cNvPr id="48" name="TextBox 47">
@@ -4494,6 +4533,7 @@
                 </a:bodyPr>
                 <a:lstStyle/>
                 <a:p>
+                  <a:pPr/>
                   <a14:m>
                     <m:oMathPara xmlns:m="http://schemas.openxmlformats.org/officeDocument/2006/math">
                       <m:oMathParaPr>
@@ -4533,7 +4573,7 @@
               </p:txBody>
             </p:sp>
           </mc:Choice>
-          <mc:Fallback>
+          <mc:Fallback xmlns="">
             <p:sp>
               <p:nvSpPr>
                 <p:cNvPr id="48" name="TextBox 47">
@@ -4645,8 +4685,8 @@
             </a:p>
           </p:txBody>
         </p:sp>
-        <mc:AlternateContent xmlns:mc="http://schemas.openxmlformats.org/markup-compatibility/2006">
-          <mc:Choice xmlns:a14="http://schemas.microsoft.com/office/drawing/2010/main" Requires="a14">
+        <mc:AlternateContent xmlns:mc="http://schemas.openxmlformats.org/markup-compatibility/2006" xmlns:a14="http://schemas.microsoft.com/office/drawing/2010/main">
+          <mc:Choice Requires="a14">
             <p:sp>
               <p:nvSpPr>
                 <p:cNvPr id="53" name="TextBox 52">
@@ -4675,6 +4715,7 @@
                 </a:bodyPr>
                 <a:lstStyle/>
                 <a:p>
+                  <a:pPr/>
                   <a14:m>
                     <m:oMathPara xmlns:m="http://schemas.openxmlformats.org/officeDocument/2006/math">
                       <m:oMathParaPr>
@@ -4763,7 +4804,7 @@
               </p:txBody>
             </p:sp>
           </mc:Choice>
-          <mc:Fallback>
+          <mc:Fallback xmlns="">
             <p:sp>
               <p:nvSpPr>
                 <p:cNvPr id="53" name="TextBox 52">
@@ -4898,8 +4939,8 @@
           </a:p>
         </p:txBody>
       </p:sp>
-      <mc:AlternateContent xmlns:mc="http://schemas.openxmlformats.org/markup-compatibility/2006">
-        <mc:Choice xmlns:a14="http://schemas.microsoft.com/office/drawing/2010/main" Requires="a14">
+      <mc:AlternateContent xmlns:mc="http://schemas.openxmlformats.org/markup-compatibility/2006" xmlns:a14="http://schemas.microsoft.com/office/drawing/2010/main">
+        <mc:Choice Requires="a14">
           <p:sp>
             <p:nvSpPr>
               <p:cNvPr id="62" name="TextBox 61">
@@ -4928,6 +4969,7 @@
               </a:bodyPr>
               <a:lstStyle/>
               <a:p>
+                <a:pPr/>
                 <a14:m>
                   <m:oMathPara xmlns:m="http://schemas.openxmlformats.org/officeDocument/2006/math">
                     <m:oMathParaPr>
@@ -5054,7 +5096,7 @@
             </p:txBody>
           </p:sp>
         </mc:Choice>
-        <mc:Fallback>
+        <mc:Fallback xmlns="">
           <p:sp>
             <p:nvSpPr>
               <p:cNvPr id="62" name="TextBox 61">
@@ -5165,8 +5207,8 @@
             </a:p>
           </p:txBody>
         </p:sp>
-        <mc:AlternateContent xmlns:mc="http://schemas.openxmlformats.org/markup-compatibility/2006">
-          <mc:Choice xmlns:a14="http://schemas.microsoft.com/office/drawing/2010/main" Requires="a14">
+        <mc:AlternateContent xmlns:mc="http://schemas.openxmlformats.org/markup-compatibility/2006" xmlns:a14="http://schemas.microsoft.com/office/drawing/2010/main">
+          <mc:Choice Requires="a14">
             <p:sp>
               <p:nvSpPr>
                 <p:cNvPr id="67" name="TextBox 66">
@@ -5195,6 +5237,7 @@
                 </a:bodyPr>
                 <a:lstStyle/>
                 <a:p>
+                  <a:pPr/>
                   <a14:m>
                     <m:oMathPara xmlns:m="http://schemas.openxmlformats.org/officeDocument/2006/math">
                       <m:oMathParaPr>
@@ -5283,7 +5326,7 @@
               </p:txBody>
             </p:sp>
           </mc:Choice>
-          <mc:Fallback>
+          <mc:Fallback xmlns="">
             <p:sp>
               <p:nvSpPr>
                 <p:cNvPr id="67" name="TextBox 66">
@@ -5482,8 +5525,8 @@
             </a:p>
           </p:txBody>
         </p:sp>
-        <mc:AlternateContent xmlns:mc="http://schemas.openxmlformats.org/markup-compatibility/2006">
-          <mc:Choice xmlns:a14="http://schemas.microsoft.com/office/drawing/2010/main" Requires="a14">
+        <mc:AlternateContent xmlns:mc="http://schemas.openxmlformats.org/markup-compatibility/2006" xmlns:a14="http://schemas.microsoft.com/office/drawing/2010/main">
+          <mc:Choice Requires="a14">
             <p:sp>
               <p:nvSpPr>
                 <p:cNvPr id="72" name="TextBox 71">
@@ -5512,6 +5555,7 @@
                 </a:bodyPr>
                 <a:lstStyle/>
                 <a:p>
+                  <a:pPr/>
                   <a14:m>
                     <m:oMathPara xmlns:m="http://schemas.openxmlformats.org/officeDocument/2006/math">
                       <m:oMathParaPr>
@@ -5551,7 +5595,7 @@
               </p:txBody>
             </p:sp>
           </mc:Choice>
-          <mc:Fallback>
+          <mc:Fallback xmlns="">
             <p:sp>
               <p:nvSpPr>
                 <p:cNvPr id="72" name="TextBox 71">
@@ -5663,8 +5707,8 @@
             </a:p>
           </p:txBody>
         </p:sp>
-        <mc:AlternateContent xmlns:mc="http://schemas.openxmlformats.org/markup-compatibility/2006">
-          <mc:Choice xmlns:a14="http://schemas.microsoft.com/office/drawing/2010/main" Requires="a14">
+        <mc:AlternateContent xmlns:mc="http://schemas.openxmlformats.org/markup-compatibility/2006" xmlns:a14="http://schemas.microsoft.com/office/drawing/2010/main">
+          <mc:Choice Requires="a14">
             <p:sp>
               <p:nvSpPr>
                 <p:cNvPr id="75" name="TextBox 74">
@@ -5693,6 +5737,7 @@
                 </a:bodyPr>
                 <a:lstStyle/>
                 <a:p>
+                  <a:pPr/>
                   <a14:m>
                     <m:oMathPara xmlns:m="http://schemas.openxmlformats.org/officeDocument/2006/math">
                       <m:oMathParaPr>
@@ -5732,7 +5777,7 @@
               </p:txBody>
             </p:sp>
           </mc:Choice>
-          <mc:Fallback>
+          <mc:Fallback xmlns="">
             <p:sp>
               <p:nvSpPr>
                 <p:cNvPr id="75" name="TextBox 74">
@@ -5821,8 +5866,8 @@
           </a:fontRef>
         </p:style>
       </p:cxnSp>
-      <mc:AlternateContent xmlns:mc="http://schemas.openxmlformats.org/markup-compatibility/2006">
-        <mc:Choice xmlns:a14="http://schemas.microsoft.com/office/drawing/2010/main" Requires="a14">
+      <mc:AlternateContent xmlns:mc="http://schemas.openxmlformats.org/markup-compatibility/2006" xmlns:a14="http://schemas.microsoft.com/office/drawing/2010/main">
+        <mc:Choice Requires="a14">
           <p:sp>
             <p:nvSpPr>
               <p:cNvPr id="86" name="TextBox 85">
@@ -5851,6 +5896,7 @@
               </a:bodyPr>
               <a:lstStyle/>
               <a:p>
+                <a:pPr/>
                 <a14:m>
                   <m:oMathPara xmlns:m="http://schemas.openxmlformats.org/officeDocument/2006/math">
                     <m:oMathParaPr>
@@ -5921,7 +5967,7 @@
             </p:txBody>
           </p:sp>
         </mc:Choice>
-        <mc:Fallback>
+        <mc:Fallback xmlns="">
           <p:sp>
             <p:nvSpPr>
               <p:cNvPr id="86" name="TextBox 85">
@@ -5966,8 +6012,8 @@
           </p:sp>
         </mc:Fallback>
       </mc:AlternateContent>
-      <mc:AlternateContent xmlns:mc="http://schemas.openxmlformats.org/markup-compatibility/2006">
-        <mc:Choice xmlns:a14="http://schemas.microsoft.com/office/drawing/2010/main" Requires="a14">
+      <mc:AlternateContent xmlns:mc="http://schemas.openxmlformats.org/markup-compatibility/2006" xmlns:a14="http://schemas.microsoft.com/office/drawing/2010/main">
+        <mc:Choice Requires="a14">
           <p:sp>
             <p:nvSpPr>
               <p:cNvPr id="87" name="TextBox 86">
@@ -5996,6 +6042,7 @@
               </a:bodyPr>
               <a:lstStyle/>
               <a:p>
+                <a:pPr/>
                 <a14:m>
                   <m:oMathPara xmlns:m="http://schemas.openxmlformats.org/officeDocument/2006/math">
                     <m:oMathParaPr>
@@ -6066,7 +6113,7 @@
             </p:txBody>
           </p:sp>
         </mc:Choice>
-        <mc:Fallback>
+        <mc:Fallback xmlns="">
           <p:sp>
             <p:nvSpPr>
               <p:cNvPr id="87" name="TextBox 86">
@@ -6111,8 +6158,8 @@
           </p:sp>
         </mc:Fallback>
       </mc:AlternateContent>
-      <mc:AlternateContent xmlns:mc="http://schemas.openxmlformats.org/markup-compatibility/2006">
-        <mc:Choice xmlns:a14="http://schemas.microsoft.com/office/drawing/2010/main" Requires="a14">
+      <mc:AlternateContent xmlns:mc="http://schemas.openxmlformats.org/markup-compatibility/2006" xmlns:a14="http://schemas.microsoft.com/office/drawing/2010/main">
+        <mc:Choice Requires="a14">
           <p:sp>
             <p:nvSpPr>
               <p:cNvPr id="88" name="TextBox 87">
@@ -6141,6 +6188,7 @@
               </a:bodyPr>
               <a:lstStyle/>
               <a:p>
+                <a:pPr/>
                 <a14:m>
                   <m:oMathPara xmlns:m="http://schemas.openxmlformats.org/officeDocument/2006/math">
                     <m:oMathParaPr>
@@ -6211,7 +6259,7 @@
             </p:txBody>
           </p:sp>
         </mc:Choice>
-        <mc:Fallback>
+        <mc:Fallback xmlns="">
           <p:sp>
             <p:nvSpPr>
               <p:cNvPr id="88" name="TextBox 87">
@@ -6256,8 +6304,8 @@
           </p:sp>
         </mc:Fallback>
       </mc:AlternateContent>
-      <mc:AlternateContent xmlns:mc="http://schemas.openxmlformats.org/markup-compatibility/2006">
-        <mc:Choice xmlns:a14="http://schemas.microsoft.com/office/drawing/2010/main" Requires="a14">
+      <mc:AlternateContent xmlns:mc="http://schemas.openxmlformats.org/markup-compatibility/2006" xmlns:a14="http://schemas.microsoft.com/office/drawing/2010/main">
+        <mc:Choice Requires="a14">
           <p:sp>
             <p:nvSpPr>
               <p:cNvPr id="89" name="TextBox 88">
@@ -6286,6 +6334,7 @@
               </a:bodyPr>
               <a:lstStyle/>
               <a:p>
+                <a:pPr/>
                 <a14:m>
                   <m:oMathPara xmlns:m="http://schemas.openxmlformats.org/officeDocument/2006/math">
                     <m:oMathParaPr>
@@ -6356,7 +6405,7 @@
             </p:txBody>
           </p:sp>
         </mc:Choice>
-        <mc:Fallback>
+        <mc:Fallback xmlns="">
           <p:sp>
             <p:nvSpPr>
               <p:cNvPr id="89" name="TextBox 88">
@@ -6401,8 +6450,8 @@
           </p:sp>
         </mc:Fallback>
       </mc:AlternateContent>
-      <mc:AlternateContent xmlns:mc="http://schemas.openxmlformats.org/markup-compatibility/2006">
-        <mc:Choice xmlns:a14="http://schemas.microsoft.com/office/drawing/2010/main" Requires="a14">
+      <mc:AlternateContent xmlns:mc="http://schemas.openxmlformats.org/markup-compatibility/2006" xmlns:a14="http://schemas.microsoft.com/office/drawing/2010/main">
+        <mc:Choice Requires="a14">
           <p:sp>
             <p:nvSpPr>
               <p:cNvPr id="90" name="TextBox 89">
@@ -6431,6 +6480,7 @@
               </a:bodyPr>
               <a:lstStyle/>
               <a:p>
+                <a:pPr/>
                 <a14:m>
                   <m:oMathPara xmlns:m="http://schemas.openxmlformats.org/officeDocument/2006/math">
                     <m:oMathParaPr>
@@ -6550,7 +6600,7 @@
             </p:txBody>
           </p:sp>
         </mc:Choice>
-        <mc:Fallback>
+        <mc:Fallback xmlns="">
           <p:sp>
             <p:nvSpPr>
               <p:cNvPr id="90" name="TextBox 89">
@@ -6919,8 +6969,8 @@
             </a:p>
           </p:txBody>
         </p:sp>
-        <mc:AlternateContent xmlns:mc="http://schemas.openxmlformats.org/markup-compatibility/2006">
-          <mc:Choice xmlns:a14="http://schemas.microsoft.com/office/drawing/2010/main" Requires="a14">
+        <mc:AlternateContent xmlns:mc="http://schemas.openxmlformats.org/markup-compatibility/2006" xmlns:a14="http://schemas.microsoft.com/office/drawing/2010/main">
+          <mc:Choice Requires="a14">
             <p:sp>
               <p:nvSpPr>
                 <p:cNvPr id="25" name="TextBox 24">
@@ -7015,7 +7065,7 @@
               </p:txBody>
             </p:sp>
           </mc:Choice>
-          <mc:Fallback>
+          <mc:Fallback xmlns="">
             <p:sp>
               <p:nvSpPr>
                 <p:cNvPr id="25" name="TextBox 24">
@@ -7061,8 +7111,8 @@
           </mc:Fallback>
         </mc:AlternateContent>
       </p:grpSp>
-      <mc:AlternateContent xmlns:mc="http://schemas.openxmlformats.org/markup-compatibility/2006">
-        <mc:Choice xmlns:a14="http://schemas.microsoft.com/office/drawing/2010/main" Requires="a14">
+      <mc:AlternateContent xmlns:mc="http://schemas.openxmlformats.org/markup-compatibility/2006" xmlns:a14="http://schemas.microsoft.com/office/drawing/2010/main">
+        <mc:Choice Requires="a14">
           <p:sp>
             <p:nvSpPr>
               <p:cNvPr id="27" name="TextBox 26">
@@ -7199,7 +7249,7 @@
             </p:txBody>
           </p:sp>
         </mc:Choice>
-        <mc:Fallback>
+        <mc:Fallback xmlns="">
           <p:sp>
             <p:nvSpPr>
               <p:cNvPr id="27" name="TextBox 26">
@@ -7310,8 +7360,8 @@
             </a:p>
           </p:txBody>
         </p:sp>
-        <mc:AlternateContent xmlns:mc="http://schemas.openxmlformats.org/markup-compatibility/2006">
-          <mc:Choice xmlns:a14="http://schemas.microsoft.com/office/drawing/2010/main" Requires="a14">
+        <mc:AlternateContent xmlns:mc="http://schemas.openxmlformats.org/markup-compatibility/2006" xmlns:a14="http://schemas.microsoft.com/office/drawing/2010/main">
+          <mc:Choice Requires="a14">
             <p:sp>
               <p:nvSpPr>
                 <p:cNvPr id="46" name="TextBox 45">
@@ -7380,7 +7430,7 @@
               </p:txBody>
             </p:sp>
           </mc:Choice>
-          <mc:Fallback>
+          <mc:Fallback xmlns="">
             <p:sp>
               <p:nvSpPr>
                 <p:cNvPr id="46" name="TextBox 45">
@@ -7492,8 +7542,8 @@
             </a:p>
           </p:txBody>
         </p:sp>
-        <mc:AlternateContent xmlns:mc="http://schemas.openxmlformats.org/markup-compatibility/2006">
-          <mc:Choice xmlns:a14="http://schemas.microsoft.com/office/drawing/2010/main" Requires="a14">
+        <mc:AlternateContent xmlns:mc="http://schemas.openxmlformats.org/markup-compatibility/2006" xmlns:a14="http://schemas.microsoft.com/office/drawing/2010/main">
+          <mc:Choice Requires="a14">
             <p:sp>
               <p:nvSpPr>
                 <p:cNvPr id="48" name="TextBox 47">
@@ -7562,7 +7612,7 @@
               </p:txBody>
             </p:sp>
           </mc:Choice>
-          <mc:Fallback>
+          <mc:Fallback xmlns="">
             <p:sp>
               <p:nvSpPr>
                 <p:cNvPr id="48" name="TextBox 47">
@@ -7674,8 +7724,8 @@
             </a:p>
           </p:txBody>
         </p:sp>
-        <mc:AlternateContent xmlns:mc="http://schemas.openxmlformats.org/markup-compatibility/2006">
-          <mc:Choice xmlns:a14="http://schemas.microsoft.com/office/drawing/2010/main" Requires="a14">
+        <mc:AlternateContent xmlns:mc="http://schemas.openxmlformats.org/markup-compatibility/2006" xmlns:a14="http://schemas.microsoft.com/office/drawing/2010/main">
+          <mc:Choice Requires="a14">
             <p:sp>
               <p:nvSpPr>
                 <p:cNvPr id="53" name="TextBox 52">
@@ -7793,7 +7843,7 @@
               </p:txBody>
             </p:sp>
           </mc:Choice>
-          <mc:Fallback>
+          <mc:Fallback xmlns="">
             <p:sp>
               <p:nvSpPr>
                 <p:cNvPr id="53" name="TextBox 52">
@@ -7885,8 +7935,8 @@
           </a:p>
         </p:txBody>
       </p:sp>
-      <mc:AlternateContent xmlns:mc="http://schemas.openxmlformats.org/markup-compatibility/2006">
-        <mc:Choice xmlns:a14="http://schemas.microsoft.com/office/drawing/2010/main" Requires="a14">
+      <mc:AlternateContent xmlns:mc="http://schemas.openxmlformats.org/markup-compatibility/2006" xmlns:a14="http://schemas.microsoft.com/office/drawing/2010/main">
+        <mc:Choice Requires="a14">
           <p:sp>
             <p:nvSpPr>
               <p:cNvPr id="62" name="TextBox 61">
@@ -8042,7 +8092,7 @@
             </p:txBody>
           </p:sp>
         </mc:Choice>
-        <mc:Fallback>
+        <mc:Fallback xmlns="">
           <p:sp>
             <p:nvSpPr>
               <p:cNvPr id="62" name="TextBox 61">
@@ -8153,8 +8203,8 @@
             </a:p>
           </p:txBody>
         </p:sp>
-        <mc:AlternateContent xmlns:mc="http://schemas.openxmlformats.org/markup-compatibility/2006">
-          <mc:Choice xmlns:a14="http://schemas.microsoft.com/office/drawing/2010/main" Requires="a14">
+        <mc:AlternateContent xmlns:mc="http://schemas.openxmlformats.org/markup-compatibility/2006" xmlns:a14="http://schemas.microsoft.com/office/drawing/2010/main">
+          <mc:Choice Requires="a14">
             <p:sp>
               <p:nvSpPr>
                 <p:cNvPr id="67" name="TextBox 66">
@@ -8272,7 +8322,7 @@
               </p:txBody>
             </p:sp>
           </mc:Choice>
-          <mc:Fallback>
+          <mc:Fallback xmlns="">
             <p:sp>
               <p:nvSpPr>
                 <p:cNvPr id="67" name="TextBox 66">
@@ -8471,8 +8521,8 @@
             </a:p>
           </p:txBody>
         </p:sp>
-        <mc:AlternateContent xmlns:mc="http://schemas.openxmlformats.org/markup-compatibility/2006">
-          <mc:Choice xmlns:a14="http://schemas.microsoft.com/office/drawing/2010/main" Requires="a14">
+        <mc:AlternateContent xmlns:mc="http://schemas.openxmlformats.org/markup-compatibility/2006" xmlns:a14="http://schemas.microsoft.com/office/drawing/2010/main">
+          <mc:Choice Requires="a14">
             <p:sp>
               <p:nvSpPr>
                 <p:cNvPr id="72" name="TextBox 71">
@@ -8541,7 +8591,7 @@
               </p:txBody>
             </p:sp>
           </mc:Choice>
-          <mc:Fallback>
+          <mc:Fallback xmlns="">
             <p:sp>
               <p:nvSpPr>
                 <p:cNvPr id="72" name="TextBox 71">
@@ -8653,8 +8703,8 @@
             </a:p>
           </p:txBody>
         </p:sp>
-        <mc:AlternateContent xmlns:mc="http://schemas.openxmlformats.org/markup-compatibility/2006">
-          <mc:Choice xmlns:a14="http://schemas.microsoft.com/office/drawing/2010/main" Requires="a14">
+        <mc:AlternateContent xmlns:mc="http://schemas.openxmlformats.org/markup-compatibility/2006" xmlns:a14="http://schemas.microsoft.com/office/drawing/2010/main">
+          <mc:Choice Requires="a14">
             <p:sp>
               <p:nvSpPr>
                 <p:cNvPr id="75" name="TextBox 74">
@@ -8723,7 +8773,7 @@
               </p:txBody>
             </p:sp>
           </mc:Choice>
-          <mc:Fallback>
+          <mc:Fallback xmlns="">
             <p:sp>
               <p:nvSpPr>
                 <p:cNvPr id="75" name="TextBox 74">
@@ -8828,8 +8878,8 @@
             </p:nvSpPr>
             <p:spPr>
               <a:xfrm>
-                <a:off x="6263963" y="5807407"/>
-                <a:ext cx="2555058" cy="572016"/>
+                <a:off x="9090982" y="5807407"/>
+                <a:ext cx="2553455" cy="852349"/>
               </a:xfrm>
               <a:prstGeom prst="rect">
                 <a:avLst/>
@@ -9071,6 +9121,93 @@
                     </m:oMath>
                   </m:oMathPara>
                 </a14:m>
+                <a:endParaRPr lang="hu-HU" i="1" dirty="0">
+                  <a:latin typeface="Cambria Math" panose="02040503050406030204" pitchFamily="18" charset="0"/>
+                  <a:ea typeface="Cambria Math" panose="02040503050406030204" pitchFamily="18" charset="0"/>
+                </a:endParaRPr>
+              </a:p>
+              <a:p>
+                <a:pPr/>
+                <a14:m>
+                  <m:oMathPara xmlns:m="http://schemas.openxmlformats.org/officeDocument/2006/math">
+                    <m:oMathParaPr>
+                      <m:jc m:val="centerGroup"/>
+                    </m:oMathParaPr>
+                    <m:oMath xmlns:m="http://schemas.openxmlformats.org/officeDocument/2006/math">
+                      <m:r>
+                        <a:rPr lang="hu-HU" b="0" i="1" smtClean="0">
+                          <a:latin typeface="Cambria Math" panose="02040503050406030204" pitchFamily="18" charset="0"/>
+                          <a:ea typeface="Cambria Math" panose="02040503050406030204" pitchFamily="18" charset="0"/>
+                        </a:rPr>
+                        <m:t>=</m:t>
+                      </m:r>
+                      <m:sSub>
+                        <m:sSubPr>
+                          <m:ctrlPr>
+                            <a:rPr lang="hu-HU" i="1">
+                              <a:latin typeface="Cambria Math" panose="02040503050406030204" pitchFamily="18" charset="0"/>
+                            </a:rPr>
+                          </m:ctrlPr>
+                        </m:sSubPr>
+                        <m:e>
+                          <m:r>
+                            <a:rPr lang="hu-HU" i="1">
+                              <a:latin typeface="Cambria Math" panose="02040503050406030204" pitchFamily="18" charset="0"/>
+                              <a:ea typeface="Cambria Math" panose="02040503050406030204" pitchFamily="18" charset="0"/>
+                            </a:rPr>
+                            <m:t>𝛿</m:t>
+                          </m:r>
+                        </m:e>
+                        <m:sub>
+                          <m:r>
+                            <a:rPr lang="hu-HU" i="1">
+                              <a:latin typeface="Cambria Math" panose="02040503050406030204" pitchFamily="18" charset="0"/>
+                              <a:ea typeface="Cambria Math" panose="02040503050406030204" pitchFamily="18" charset="0"/>
+                            </a:rPr>
+                            <m:t>2</m:t>
+                          </m:r>
+                        </m:sub>
+                      </m:sSub>
+                      <m:sSubSup>
+                        <m:sSubSupPr>
+                          <m:ctrlPr>
+                            <a:rPr lang="hu-HU" i="1">
+                              <a:latin typeface="Cambria Math" panose="02040503050406030204" pitchFamily="18" charset="0"/>
+                              <a:ea typeface="Cambria Math" panose="02040503050406030204" pitchFamily="18" charset="0"/>
+                            </a:rPr>
+                          </m:ctrlPr>
+                        </m:sSubSupPr>
+                        <m:e>
+                          <m:r>
+                            <a:rPr lang="hu-HU" i="1">
+                              <a:latin typeface="Cambria Math" panose="02040503050406030204" pitchFamily="18" charset="0"/>
+                              <a:ea typeface="Cambria Math" panose="02040503050406030204" pitchFamily="18" charset="0"/>
+                            </a:rPr>
+                            <m:t>𝐴</m:t>
+                          </m:r>
+                        </m:e>
+                        <m:sub>
+                          <m:r>
+                            <a:rPr lang="hu-HU" i="1">
+                              <a:latin typeface="Cambria Math" panose="02040503050406030204" pitchFamily="18" charset="0"/>
+                              <a:ea typeface="Cambria Math" panose="02040503050406030204" pitchFamily="18" charset="0"/>
+                            </a:rPr>
+                            <m:t>1</m:t>
+                          </m:r>
+                        </m:sub>
+                        <m:sup>
+                          <m:r>
+                            <a:rPr lang="hu-HU" i="1">
+                              <a:latin typeface="Cambria Math" panose="02040503050406030204" pitchFamily="18" charset="0"/>
+                              <a:ea typeface="Cambria Math" panose="02040503050406030204" pitchFamily="18" charset="0"/>
+                            </a:rPr>
+                            <m:t>𝑇</m:t>
+                          </m:r>
+                        </m:sup>
+                      </m:sSubSup>
+                    </m:oMath>
+                  </m:oMathPara>
+                </a14:m>
                 <a:endParaRPr lang="en-US" dirty="0"/>
               </a:p>
             </p:txBody>
@@ -9093,8 +9230,8 @@
             </p:nvSpPr>
             <p:spPr>
               <a:xfrm>
-                <a:off x="6263963" y="5807407"/>
-                <a:ext cx="2555058" cy="572016"/>
+                <a:off x="9090982" y="5807407"/>
+                <a:ext cx="2553455" cy="852349"/>
               </a:xfrm>
               <a:prstGeom prst="rect">
                 <a:avLst/>
@@ -9102,7 +9239,7 @@
               <a:blipFill>
                 <a:blip r:embed="rId12"/>
                 <a:stretch>
-                  <a:fillRect/>
+                  <a:fillRect b="-5755"/>
                 </a:stretch>
               </a:blipFill>
             </p:spPr>
@@ -9138,7 +9275,7 @@
             <p:spPr>
               <a:xfrm>
                 <a:off x="3058026" y="5807407"/>
-                <a:ext cx="2259401" cy="572016"/>
+                <a:ext cx="2270557" cy="849015"/>
               </a:xfrm>
               <a:prstGeom prst="rect">
                 <a:avLst/>
@@ -9280,17 +9417,112 @@
                           </m:r>
                         </m:sup>
                       </m:sSubSup>
+                      <m:sSup>
+                        <m:sSupPr>
+                          <m:ctrlPr>
+                            <a:rPr lang="hu-HU" i="1">
+                              <a:latin typeface="Cambria Math" panose="02040503050406030204" pitchFamily="18" charset="0"/>
+                            </a:rPr>
+                          </m:ctrlPr>
+                        </m:sSupPr>
+                        <m:e>
+                          <m:r>
+                            <a:rPr lang="hu-HU" i="1">
+                              <a:latin typeface="Cambria Math" panose="02040503050406030204" pitchFamily="18" charset="0"/>
+                            </a:rPr>
+                            <m:t>𝑔</m:t>
+                          </m:r>
+                        </m:e>
+                        <m:sup>
+                          <m:r>
+                            <a:rPr lang="hu-HU" i="1">
+                              <a:latin typeface="Cambria Math" panose="02040503050406030204" pitchFamily="18" charset="0"/>
+                            </a:rPr>
+                            <m:t>′</m:t>
+                          </m:r>
+                        </m:sup>
+                      </m:sSup>
+                      <m:d>
+                        <m:dPr>
+                          <m:ctrlPr>
+                            <a:rPr lang="hu-HU" i="1">
+                              <a:latin typeface="Cambria Math" panose="02040503050406030204" pitchFamily="18" charset="0"/>
+                            </a:rPr>
+                          </m:ctrlPr>
+                        </m:dPr>
+                        <m:e>
+                          <m:sSub>
+                            <m:sSubPr>
+                              <m:ctrlPr>
+                                <a:rPr lang="hu-HU" i="1">
+                                  <a:latin typeface="Cambria Math" panose="02040503050406030204" pitchFamily="18" charset="0"/>
+                                </a:rPr>
+                              </m:ctrlPr>
+                            </m:sSubPr>
+                            <m:e>
+                              <m:r>
+                                <a:rPr lang="hu-HU" i="1">
+                                  <a:latin typeface="Cambria Math" panose="02040503050406030204" pitchFamily="18" charset="0"/>
+                                </a:rPr>
+                                <m:t>𝑍</m:t>
+                              </m:r>
+                            </m:e>
+                            <m:sub>
+                              <m:r>
+                                <a:rPr lang="hu-HU" i="1">
+                                  <a:latin typeface="Cambria Math" panose="02040503050406030204" pitchFamily="18" charset="0"/>
+                                </a:rPr>
+                                <m:t>1</m:t>
+                              </m:r>
+                            </m:sub>
+                          </m:sSub>
+                        </m:e>
+                      </m:d>
+                      <m:sSup>
+                        <m:sSupPr>
+                          <m:ctrlPr>
+                            <a:rPr lang="hu-HU" i="1" smtClean="0">
+                              <a:latin typeface="Cambria Math" panose="02040503050406030204" pitchFamily="18" charset="0"/>
+                            </a:rPr>
+                          </m:ctrlPr>
+                        </m:sSupPr>
+                        <m:e>
+                          <m:r>
+                            <a:rPr lang="hu-HU" b="0" i="1" smtClean="0">
+                              <a:latin typeface="Cambria Math" panose="02040503050406030204" pitchFamily="18" charset="0"/>
+                            </a:rPr>
+                            <m:t>𝑋</m:t>
+                          </m:r>
+                        </m:e>
+                        <m:sup>
+                          <m:r>
+                            <a:rPr lang="hu-HU" b="0" i="1" smtClean="0">
+                              <a:latin typeface="Cambria Math" panose="02040503050406030204" pitchFamily="18" charset="0"/>
+                            </a:rPr>
+                            <m:t>𝑇</m:t>
+                          </m:r>
+                        </m:sup>
+                      </m:sSup>
+                    </m:oMath>
+                  </m:oMathPara>
+                </a14:m>
+                <a:endParaRPr lang="hu-HU" b="0" i="1" dirty="0">
+                  <a:latin typeface="Cambria Math" panose="02040503050406030204" pitchFamily="18" charset="0"/>
+                </a:endParaRPr>
+              </a:p>
+              <a:p>
+                <a:pPr/>
+                <a14:m>
+                  <m:oMathPara xmlns:m="http://schemas.openxmlformats.org/officeDocument/2006/math">
+                    <m:oMathParaPr>
+                      <m:jc m:val="centerGroup"/>
+                    </m:oMathParaPr>
+                    <m:oMath xmlns:m="http://schemas.openxmlformats.org/officeDocument/2006/math">
                       <m:r>
-                        <a:rPr lang="hu-HU" i="1">
+                        <a:rPr lang="hu-HU" b="0" i="1" smtClean="0">
                           <a:latin typeface="Cambria Math" panose="02040503050406030204" pitchFamily="18" charset="0"/>
                         </a:rPr>
-                        <m:t>𝑔</m:t>
-                      </m:r>
-                      <m:r>
-                        <a:rPr lang="hu-HU" i="1">
-                          <a:latin typeface="Cambria Math" panose="02040503050406030204" pitchFamily="18" charset="0"/>
-                        </a:rPr>
-                        <m:t>′(</m:t>
+                        <m:t>=</m:t>
                       </m:r>
                       <m:sSub>
                         <m:sSubPr>
@@ -9304,36 +9536,32 @@
                           <m:r>
                             <a:rPr lang="hu-HU" i="1">
                               <a:latin typeface="Cambria Math" panose="02040503050406030204" pitchFamily="18" charset="0"/>
-                            </a:rPr>
-                            <m:t>𝑍</m:t>
+                              <a:ea typeface="Cambria Math" panose="02040503050406030204" pitchFamily="18" charset="0"/>
+                            </a:rPr>
+                            <m:t>𝛿</m:t>
                           </m:r>
                         </m:e>
                         <m:sub>
                           <m:r>
                             <a:rPr lang="hu-HU" i="1">
                               <a:latin typeface="Cambria Math" panose="02040503050406030204" pitchFamily="18" charset="0"/>
+                              <a:ea typeface="Cambria Math" panose="02040503050406030204" pitchFamily="18" charset="0"/>
                             </a:rPr>
                             <m:t>1</m:t>
                           </m:r>
                         </m:sub>
                       </m:sSub>
-                      <m:r>
-                        <a:rPr lang="hu-HU" i="1">
-                          <a:latin typeface="Cambria Math" panose="02040503050406030204" pitchFamily="18" charset="0"/>
-                        </a:rPr>
-                        <m:t>)</m:t>
-                      </m:r>
                       <m:sSup>
                         <m:sSupPr>
                           <m:ctrlPr>
-                            <a:rPr lang="hu-HU" i="1" smtClean="0">
+                            <a:rPr lang="hu-HU" i="1">
                               <a:latin typeface="Cambria Math" panose="02040503050406030204" pitchFamily="18" charset="0"/>
                             </a:rPr>
                           </m:ctrlPr>
                         </m:sSupPr>
                         <m:e>
                           <m:r>
-                            <a:rPr lang="hu-HU" b="0" i="1" smtClean="0">
+                            <a:rPr lang="hu-HU" i="1">
                               <a:latin typeface="Cambria Math" panose="02040503050406030204" pitchFamily="18" charset="0"/>
                             </a:rPr>
                             <m:t>𝑋</m:t>
@@ -9341,7 +9569,7 @@
                         </m:e>
                         <m:sup>
                           <m:r>
-                            <a:rPr lang="hu-HU" b="0" i="1" smtClean="0">
+                            <a:rPr lang="hu-HU" i="1">
                               <a:latin typeface="Cambria Math" panose="02040503050406030204" pitchFamily="18" charset="0"/>
                             </a:rPr>
                             <m:t>𝑇</m:t>
@@ -9374,7 +9602,7 @@
             <p:spPr>
               <a:xfrm>
                 <a:off x="3058026" y="5807407"/>
-                <a:ext cx="2259401" cy="572016"/>
+                <a:ext cx="2270557" cy="849015"/>
               </a:xfrm>
               <a:prstGeom prst="rect">
                 <a:avLst/>
@@ -9382,7 +9610,7 @@
               <a:blipFill>
                 <a:blip r:embed="rId13"/>
                 <a:stretch>
-                  <a:fillRect/>
+                  <a:fillRect b="-4317"/>
                 </a:stretch>
               </a:blipFill>
             </p:spPr>
@@ -9417,8 +9645,8 @@
             </p:nvSpPr>
             <p:spPr>
               <a:xfrm>
-                <a:off x="9560099" y="5807407"/>
-                <a:ext cx="2221377" cy="572016"/>
+                <a:off x="6305302" y="5796237"/>
+                <a:ext cx="2219775" cy="849015"/>
               </a:xfrm>
               <a:prstGeom prst="rect">
                 <a:avLst/>
@@ -9623,6 +9851,56 @@
                     </m:oMath>
                   </m:oMathPara>
                 </a14:m>
+                <a:endParaRPr lang="hu-HU" i="1" dirty="0">
+                  <a:latin typeface="Cambria Math" panose="02040503050406030204" pitchFamily="18" charset="0"/>
+                  <a:ea typeface="Cambria Math" panose="02040503050406030204" pitchFamily="18" charset="0"/>
+                </a:endParaRPr>
+              </a:p>
+              <a:p>
+                <a:pPr/>
+                <a14:m>
+                  <m:oMathPara xmlns:m="http://schemas.openxmlformats.org/officeDocument/2006/math">
+                    <m:oMathParaPr>
+                      <m:jc m:val="centerGroup"/>
+                    </m:oMathParaPr>
+                    <m:oMath xmlns:m="http://schemas.openxmlformats.org/officeDocument/2006/math">
+                      <m:r>
+                        <a:rPr lang="hu-HU" b="0" i="1" smtClean="0">
+                          <a:latin typeface="Cambria Math" panose="02040503050406030204" pitchFamily="18" charset="0"/>
+                          <a:ea typeface="Cambria Math" panose="02040503050406030204" pitchFamily="18" charset="0"/>
+                        </a:rPr>
+                        <m:t>=</m:t>
+                      </m:r>
+                      <m:sSub>
+                        <m:sSubPr>
+                          <m:ctrlPr>
+                            <a:rPr lang="hu-HU" i="1">
+                              <a:latin typeface="Cambria Math" panose="02040503050406030204" pitchFamily="18" charset="0"/>
+                            </a:rPr>
+                          </m:ctrlPr>
+                        </m:sSubPr>
+                        <m:e>
+                          <m:r>
+                            <a:rPr lang="hu-HU" i="1">
+                              <a:latin typeface="Cambria Math" panose="02040503050406030204" pitchFamily="18" charset="0"/>
+                              <a:ea typeface="Cambria Math" panose="02040503050406030204" pitchFamily="18" charset="0"/>
+                            </a:rPr>
+                            <m:t>𝛿</m:t>
+                          </m:r>
+                        </m:e>
+                        <m:sub>
+                          <m:r>
+                            <a:rPr lang="hu-HU" i="1">
+                              <a:latin typeface="Cambria Math" panose="02040503050406030204" pitchFamily="18" charset="0"/>
+                              <a:ea typeface="Cambria Math" panose="02040503050406030204" pitchFamily="18" charset="0"/>
+                            </a:rPr>
+                            <m:t>2</m:t>
+                          </m:r>
+                        </m:sub>
+                      </m:sSub>
+                    </m:oMath>
+                  </m:oMathPara>
+                </a14:m>
                 <a:endParaRPr lang="en-US" dirty="0"/>
               </a:p>
             </p:txBody>
@@ -9645,8 +9923,8 @@
             </p:nvSpPr>
             <p:spPr>
               <a:xfrm>
-                <a:off x="9560099" y="5807407"/>
-                <a:ext cx="2221377" cy="572016"/>
+                <a:off x="6305302" y="5796237"/>
+                <a:ext cx="2219775" cy="849015"/>
               </a:xfrm>
               <a:prstGeom prst="rect">
                 <a:avLst/>
@@ -9654,7 +9932,7 @@
               <a:blipFill>
                 <a:blip r:embed="rId14"/>
                 <a:stretch>
-                  <a:fillRect/>
+                  <a:fillRect b="-4317"/>
                 </a:stretch>
               </a:blipFill>
             </p:spPr>
@@ -9689,8 +9967,8 @@
             </p:nvSpPr>
             <p:spPr>
               <a:xfrm>
-                <a:off x="316673" y="5807453"/>
-                <a:ext cx="2005304" cy="572016"/>
+                <a:off x="355719" y="5807407"/>
+                <a:ext cx="2437178" cy="849015"/>
               </a:xfrm>
               <a:prstGeom prst="rect">
                 <a:avLst/>
@@ -9802,14 +10080,14 @@
                       <m:sSubSup>
                         <m:sSubSupPr>
                           <m:ctrlPr>
-                            <a:rPr lang="hu-HU" i="1">
+                            <a:rPr lang="hu-HU" i="1" smtClean="0">
                               <a:latin typeface="Cambria Math" panose="02040503050406030204" pitchFamily="18" charset="0"/>
                             </a:rPr>
                           </m:ctrlPr>
                         </m:sSubSupPr>
                         <m:e>
                           <m:r>
-                            <a:rPr lang="hu-HU" i="1">
+                            <a:rPr lang="hu-HU" i="1" smtClean="0">
                               <a:latin typeface="Cambria Math" panose="02040503050406030204" pitchFamily="18" charset="0"/>
                             </a:rPr>
                             <m:t>𝑊</m:t>
@@ -9832,17 +10110,87 @@
                           </m:r>
                         </m:sup>
                       </m:sSubSup>
+                      <m:sSup>
+                        <m:sSupPr>
+                          <m:ctrlPr>
+                            <a:rPr lang="hu-HU" i="1">
+                              <a:latin typeface="Cambria Math" panose="02040503050406030204" pitchFamily="18" charset="0"/>
+                            </a:rPr>
+                          </m:ctrlPr>
+                        </m:sSupPr>
+                        <m:e>
+                          <m:r>
+                            <a:rPr lang="hu-HU" i="1">
+                              <a:latin typeface="Cambria Math" panose="02040503050406030204" pitchFamily="18" charset="0"/>
+                            </a:rPr>
+                            <m:t>𝑔</m:t>
+                          </m:r>
+                        </m:e>
+                        <m:sup>
+                          <m:r>
+                            <a:rPr lang="hu-HU" i="1">
+                              <a:latin typeface="Cambria Math" panose="02040503050406030204" pitchFamily="18" charset="0"/>
+                            </a:rPr>
+                            <m:t>′</m:t>
+                          </m:r>
+                        </m:sup>
+                      </m:sSup>
+                      <m:d>
+                        <m:dPr>
+                          <m:ctrlPr>
+                            <a:rPr lang="hu-HU" i="1">
+                              <a:latin typeface="Cambria Math" panose="02040503050406030204" pitchFamily="18" charset="0"/>
+                            </a:rPr>
+                          </m:ctrlPr>
+                        </m:dPr>
+                        <m:e>
+                          <m:sSub>
+                            <m:sSubPr>
+                              <m:ctrlPr>
+                                <a:rPr lang="hu-HU" i="1">
+                                  <a:latin typeface="Cambria Math" panose="02040503050406030204" pitchFamily="18" charset="0"/>
+                                </a:rPr>
+                              </m:ctrlPr>
+                            </m:sSubPr>
+                            <m:e>
+                              <m:r>
+                                <a:rPr lang="hu-HU" i="1">
+                                  <a:latin typeface="Cambria Math" panose="02040503050406030204" pitchFamily="18" charset="0"/>
+                                </a:rPr>
+                                <m:t>𝑍</m:t>
+                              </m:r>
+                            </m:e>
+                            <m:sub>
+                              <m:r>
+                                <a:rPr lang="hu-HU" i="1">
+                                  <a:latin typeface="Cambria Math" panose="02040503050406030204" pitchFamily="18" charset="0"/>
+                                </a:rPr>
+                                <m:t>1</m:t>
+                              </m:r>
+                            </m:sub>
+                          </m:sSub>
+                        </m:e>
+                      </m:d>
+                    </m:oMath>
+                  </m:oMathPara>
+                </a14:m>
+                <a:endParaRPr lang="hu-HU" i="1" dirty="0">
+                  <a:latin typeface="Cambria Math" panose="02040503050406030204" pitchFamily="18" charset="0"/>
+                </a:endParaRPr>
+              </a:p>
+              <a:p>
+                <a:pPr/>
+                <a14:m>
+                  <m:oMathPara xmlns:m="http://schemas.openxmlformats.org/officeDocument/2006/math">
+                    <m:oMathParaPr>
+                      <m:jc m:val="centerGroup"/>
+                    </m:oMathParaPr>
+                    <m:oMath xmlns:m="http://schemas.openxmlformats.org/officeDocument/2006/math">
                       <m:r>
-                        <a:rPr lang="hu-HU" i="1">
+                        <a:rPr lang="hu-HU" b="0" i="1" smtClean="0">
                           <a:latin typeface="Cambria Math" panose="02040503050406030204" pitchFamily="18" charset="0"/>
                         </a:rPr>
-                        <m:t>𝑔</m:t>
-                      </m:r>
-                      <m:r>
-                        <a:rPr lang="hu-HU" i="1">
-                          <a:latin typeface="Cambria Math" panose="02040503050406030204" pitchFamily="18" charset="0"/>
-                        </a:rPr>
-                        <m:t>′(</m:t>
+                        <m:t>=</m:t>
                       </m:r>
                       <m:sSub>
                         <m:sSubPr>
@@ -9856,25 +10204,21 @@
                           <m:r>
                             <a:rPr lang="hu-HU" i="1">
                               <a:latin typeface="Cambria Math" panose="02040503050406030204" pitchFamily="18" charset="0"/>
-                            </a:rPr>
-                            <m:t>𝑍</m:t>
+                              <a:ea typeface="Cambria Math" panose="02040503050406030204" pitchFamily="18" charset="0"/>
+                            </a:rPr>
+                            <m:t>𝛿</m:t>
                           </m:r>
                         </m:e>
                         <m:sub>
                           <m:r>
                             <a:rPr lang="hu-HU" i="1">
                               <a:latin typeface="Cambria Math" panose="02040503050406030204" pitchFamily="18" charset="0"/>
+                              <a:ea typeface="Cambria Math" panose="02040503050406030204" pitchFamily="18" charset="0"/>
                             </a:rPr>
                             <m:t>1</m:t>
                           </m:r>
                         </m:sub>
                       </m:sSub>
-                      <m:r>
-                        <a:rPr lang="hu-HU" i="1">
-                          <a:latin typeface="Cambria Math" panose="02040503050406030204" pitchFamily="18" charset="0"/>
-                        </a:rPr>
-                        <m:t>)</m:t>
-                      </m:r>
                     </m:oMath>
                   </m:oMathPara>
                 </a14:m>
@@ -9900,8 +10244,8 @@
             </p:nvSpPr>
             <p:spPr>
               <a:xfrm>
-                <a:off x="316673" y="5807453"/>
-                <a:ext cx="2005304" cy="572016"/>
+                <a:off x="355719" y="5807407"/>
+                <a:ext cx="2437178" cy="849015"/>
               </a:xfrm>
               <a:prstGeom prst="rect">
                 <a:avLst/>
@@ -9909,7 +10253,7 @@
               <a:blipFill>
                 <a:blip r:embed="rId15"/>
                 <a:stretch>
-                  <a:fillRect/>
+                  <a:fillRect b="-4317"/>
                 </a:stretch>
               </a:blipFill>
             </p:spPr>
@@ -9928,8 +10272,8 @@
           </p:sp>
         </mc:Fallback>
       </mc:AlternateContent>
-      <mc:AlternateContent xmlns:mc="http://schemas.openxmlformats.org/markup-compatibility/2006">
-        <mc:Choice xmlns:a14="http://schemas.microsoft.com/office/drawing/2010/main" Requires="a14">
+      <mc:AlternateContent xmlns:mc="http://schemas.openxmlformats.org/markup-compatibility/2006" xmlns:a14="http://schemas.microsoft.com/office/drawing/2010/main">
+        <mc:Choice Requires="a14">
           <p:sp>
             <p:nvSpPr>
               <p:cNvPr id="90" name="TextBox 89">
@@ -10078,7 +10422,7 @@
             </p:txBody>
           </p:sp>
         </mc:Choice>
-        <mc:Fallback>
+        <mc:Fallback xmlns="">
           <p:sp>
             <p:nvSpPr>
               <p:cNvPr id="90" name="TextBox 89">
@@ -10123,8 +10467,8 @@
           </p:sp>
         </mc:Fallback>
       </mc:AlternateContent>
-      <mc:AlternateContent xmlns:mc="http://schemas.openxmlformats.org/markup-compatibility/2006">
-        <mc:Choice xmlns:a14="http://schemas.microsoft.com/office/drawing/2010/main" Requires="a14">
+      <mc:AlternateContent xmlns:mc="http://schemas.openxmlformats.org/markup-compatibility/2006" xmlns:a14="http://schemas.microsoft.com/office/drawing/2010/main">
+        <mc:Choice Requires="a14">
           <p:sp>
             <p:nvSpPr>
               <p:cNvPr id="2" name="Rectangle 1">
@@ -10212,7 +10556,7 @@
             </p:txBody>
           </p:sp>
         </mc:Choice>
-        <mc:Fallback>
+        <mc:Fallback xmlns="">
           <p:sp>
             <p:nvSpPr>
               <p:cNvPr id="2" name="Rectangle 1">
@@ -10262,8 +10606,8 @@
           </p:sp>
         </mc:Fallback>
       </mc:AlternateContent>
-      <mc:AlternateContent xmlns:mc="http://schemas.openxmlformats.org/markup-compatibility/2006">
-        <mc:Choice xmlns:a14="http://schemas.microsoft.com/office/drawing/2010/main" Requires="a14">
+      <mc:AlternateContent xmlns:mc="http://schemas.openxmlformats.org/markup-compatibility/2006" xmlns:a14="http://schemas.microsoft.com/office/drawing/2010/main">
+        <mc:Choice Requires="a14">
           <p:sp>
             <p:nvSpPr>
               <p:cNvPr id="42" name="Rectangle 41">
@@ -10357,7 +10701,7 @@
             </p:txBody>
           </p:sp>
         </mc:Choice>
-        <mc:Fallback>
+        <mc:Fallback xmlns="">
           <p:sp>
             <p:nvSpPr>
               <p:cNvPr id="42" name="Rectangle 41">
@@ -10465,8 +10809,8 @@
           </a:p>
         </p:txBody>
       </p:sp>
-      <mc:AlternateContent xmlns:mc="http://schemas.openxmlformats.org/markup-compatibility/2006">
-        <mc:Choice xmlns:a14="http://schemas.microsoft.com/office/drawing/2010/main" Requires="a14">
+      <mc:AlternateContent xmlns:mc="http://schemas.openxmlformats.org/markup-compatibility/2006" xmlns:a14="http://schemas.microsoft.com/office/drawing/2010/main">
+        <mc:Choice Requires="a14">
           <p:sp>
             <p:nvSpPr>
               <p:cNvPr id="44" name="Rectangle 43">
@@ -10557,7 +10901,7 @@
             </p:txBody>
           </p:sp>
         </mc:Choice>
-        <mc:Fallback>
+        <mc:Fallback xmlns="">
           <p:sp>
             <p:nvSpPr>
               <p:cNvPr id="44" name="Rectangle 43">
@@ -10610,8 +10954,8 @@
           </p:sp>
         </mc:Fallback>
       </mc:AlternateContent>
-      <mc:AlternateContent xmlns:mc="http://schemas.openxmlformats.org/markup-compatibility/2006">
-        <mc:Choice xmlns:a14="http://schemas.microsoft.com/office/drawing/2010/main" Requires="a14">
+      <mc:AlternateContent xmlns:mc="http://schemas.openxmlformats.org/markup-compatibility/2006" xmlns:a14="http://schemas.microsoft.com/office/drawing/2010/main">
+        <mc:Choice Requires="a14">
           <p:sp>
             <p:nvSpPr>
               <p:cNvPr id="9" name="TextBox 8">
@@ -10640,6 +10984,7 @@
               </a:bodyPr>
               <a:lstStyle/>
               <a:p>
+                <a:pPr/>
                 <a14:m>
                   <m:oMathPara xmlns:m="http://schemas.openxmlformats.org/officeDocument/2006/math">
                     <m:oMathParaPr>
@@ -10660,7 +11005,7 @@
             </p:txBody>
           </p:sp>
         </mc:Choice>
-        <mc:Fallback>
+        <mc:Fallback xmlns="">
           <p:sp>
             <p:nvSpPr>
               <p:cNvPr id="9" name="TextBox 8">
@@ -10705,8 +11050,8 @@
           </p:sp>
         </mc:Fallback>
       </mc:AlternateContent>
-      <mc:AlternateContent xmlns:mc="http://schemas.openxmlformats.org/markup-compatibility/2006">
-        <mc:Choice xmlns:a14="http://schemas.microsoft.com/office/drawing/2010/main" Requires="a14">
+      <mc:AlternateContent xmlns:mc="http://schemas.openxmlformats.org/markup-compatibility/2006" xmlns:a14="http://schemas.microsoft.com/office/drawing/2010/main">
+        <mc:Choice Requires="a14">
           <p:sp>
             <p:nvSpPr>
               <p:cNvPr id="47" name="TextBox 46">
@@ -10735,6 +11080,7 @@
               </a:bodyPr>
               <a:lstStyle/>
               <a:p>
+                <a:pPr/>
                 <a14:m>
                   <m:oMathPara xmlns:m="http://schemas.openxmlformats.org/officeDocument/2006/math">
                     <m:oMathParaPr>
@@ -10755,7 +11101,7 @@
             </p:txBody>
           </p:sp>
         </mc:Choice>
-        <mc:Fallback>
+        <mc:Fallback xmlns="">
           <p:sp>
             <p:nvSpPr>
               <p:cNvPr id="47" name="TextBox 46">
@@ -10800,8 +11146,8 @@
           </p:sp>
         </mc:Fallback>
       </mc:AlternateContent>
-      <mc:AlternateContent xmlns:mc="http://schemas.openxmlformats.org/markup-compatibility/2006">
-        <mc:Choice xmlns:a14="http://schemas.microsoft.com/office/drawing/2010/main" Requires="a14">
+      <mc:AlternateContent xmlns:mc="http://schemas.openxmlformats.org/markup-compatibility/2006" xmlns:a14="http://schemas.microsoft.com/office/drawing/2010/main">
+        <mc:Choice Requires="a14">
           <p:sp>
             <p:nvSpPr>
               <p:cNvPr id="51" name="Rectangle 50">
@@ -10891,7 +11237,7 @@
             </p:txBody>
           </p:sp>
         </mc:Choice>
-        <mc:Fallback>
+        <mc:Fallback xmlns="">
           <p:sp>
             <p:nvSpPr>
               <p:cNvPr id="51" name="Rectangle 50">
@@ -10937,8 +11283,8 @@
           </p:sp>
         </mc:Fallback>
       </mc:AlternateContent>
-      <mc:AlternateContent xmlns:mc="http://schemas.openxmlformats.org/markup-compatibility/2006">
-        <mc:Choice xmlns:a14="http://schemas.microsoft.com/office/drawing/2010/main" Requires="a14">
+      <mc:AlternateContent xmlns:mc="http://schemas.openxmlformats.org/markup-compatibility/2006" xmlns:a14="http://schemas.microsoft.com/office/drawing/2010/main">
+        <mc:Choice Requires="a14">
           <p:sp>
             <p:nvSpPr>
               <p:cNvPr id="12" name="TextBox 11">
@@ -10967,6 +11313,7 @@
               </a:bodyPr>
               <a:lstStyle/>
               <a:p>
+                <a:pPr/>
                 <a14:m>
                   <m:oMathPara xmlns:m="http://schemas.openxmlformats.org/officeDocument/2006/math">
                     <m:oMathParaPr>
@@ -10987,7 +11334,7 @@
             </p:txBody>
           </p:sp>
         </mc:Choice>
-        <mc:Fallback>
+        <mc:Fallback xmlns="">
           <p:sp>
             <p:nvSpPr>
               <p:cNvPr id="12" name="TextBox 11">
@@ -11032,8 +11379,8 @@
           </p:sp>
         </mc:Fallback>
       </mc:AlternateContent>
-      <mc:AlternateContent xmlns:mc="http://schemas.openxmlformats.org/markup-compatibility/2006">
-        <mc:Choice xmlns:a14="http://schemas.microsoft.com/office/drawing/2010/main" Requires="a14">
+      <mc:AlternateContent xmlns:mc="http://schemas.openxmlformats.org/markup-compatibility/2006" xmlns:a14="http://schemas.microsoft.com/office/drawing/2010/main">
+        <mc:Choice Requires="a14">
           <p:sp>
             <p:nvSpPr>
               <p:cNvPr id="56" name="TextBox 55">
@@ -11062,6 +11409,7 @@
               </a:bodyPr>
               <a:lstStyle/>
               <a:p>
+                <a:pPr/>
                 <a14:m>
                   <m:oMathPara xmlns:m="http://schemas.openxmlformats.org/officeDocument/2006/math">
                     <m:oMathParaPr>
@@ -11082,7 +11430,7 @@
             </p:txBody>
           </p:sp>
         </mc:Choice>
-        <mc:Fallback>
+        <mc:Fallback xmlns="">
           <p:sp>
             <p:nvSpPr>
               <p:cNvPr id="56" name="TextBox 55">
@@ -11127,8 +11475,8 @@
           </p:sp>
         </mc:Fallback>
       </mc:AlternateContent>
-      <mc:AlternateContent xmlns:mc="http://schemas.openxmlformats.org/markup-compatibility/2006">
-        <mc:Choice xmlns:a14="http://schemas.microsoft.com/office/drawing/2010/main" Requires="a14">
+      <mc:AlternateContent xmlns:mc="http://schemas.openxmlformats.org/markup-compatibility/2006" xmlns:a14="http://schemas.microsoft.com/office/drawing/2010/main">
+        <mc:Choice Requires="a14">
           <p:sp>
             <p:nvSpPr>
               <p:cNvPr id="57" name="Rectangle 56">
@@ -11227,7 +11575,7 @@
             </p:txBody>
           </p:sp>
         </mc:Choice>
-        <mc:Fallback>
+        <mc:Fallback xmlns="">
           <p:sp>
             <p:nvSpPr>
               <p:cNvPr id="57" name="Rectangle 56">
@@ -11280,8 +11628,8 @@
           </p:sp>
         </mc:Fallback>
       </mc:AlternateContent>
-      <mc:AlternateContent xmlns:mc="http://schemas.openxmlformats.org/markup-compatibility/2006">
-        <mc:Choice xmlns:a14="http://schemas.microsoft.com/office/drawing/2010/main" Requires="a14">
+      <mc:AlternateContent xmlns:mc="http://schemas.openxmlformats.org/markup-compatibility/2006" xmlns:a14="http://schemas.microsoft.com/office/drawing/2010/main">
+        <mc:Choice Requires="a14">
           <p:sp>
             <p:nvSpPr>
               <p:cNvPr id="61" name="Rectangle 60">
@@ -11375,7 +11723,7 @@
             </p:txBody>
           </p:sp>
         </mc:Choice>
-        <mc:Fallback>
+        <mc:Fallback xmlns="">
           <p:sp>
             <p:nvSpPr>
               <p:cNvPr id="61" name="Rectangle 60">
@@ -11483,8 +11831,8 @@
           </a:p>
         </p:txBody>
       </p:sp>
-      <mc:AlternateContent xmlns:mc="http://schemas.openxmlformats.org/markup-compatibility/2006">
-        <mc:Choice xmlns:a14="http://schemas.microsoft.com/office/drawing/2010/main" Requires="a14">
+      <mc:AlternateContent xmlns:mc="http://schemas.openxmlformats.org/markup-compatibility/2006" xmlns:a14="http://schemas.microsoft.com/office/drawing/2010/main">
+        <mc:Choice Requires="a14">
           <p:sp>
             <p:nvSpPr>
               <p:cNvPr id="64" name="Rectangle 63">
@@ -11585,7 +11933,7 @@
             </p:txBody>
           </p:sp>
         </mc:Choice>
-        <mc:Fallback>
+        <mc:Fallback xmlns="">
           <p:sp>
             <p:nvSpPr>
               <p:cNvPr id="64" name="Rectangle 63">
@@ -11638,8 +11986,8 @@
           </p:sp>
         </mc:Fallback>
       </mc:AlternateContent>
-      <mc:AlternateContent xmlns:mc="http://schemas.openxmlformats.org/markup-compatibility/2006">
-        <mc:Choice xmlns:a14="http://schemas.microsoft.com/office/drawing/2010/main" Requires="a14">
+      <mc:AlternateContent xmlns:mc="http://schemas.openxmlformats.org/markup-compatibility/2006" xmlns:a14="http://schemas.microsoft.com/office/drawing/2010/main">
+        <mc:Choice Requires="a14">
           <p:sp>
             <p:nvSpPr>
               <p:cNvPr id="76" name="TextBox 75">
@@ -11668,6 +12016,7 @@
               </a:bodyPr>
               <a:lstStyle/>
               <a:p>
+                <a:pPr/>
                 <a14:m>
                   <m:oMathPara xmlns:m="http://schemas.openxmlformats.org/officeDocument/2006/math">
                     <m:oMathParaPr>
@@ -11688,7 +12037,7 @@
             </p:txBody>
           </p:sp>
         </mc:Choice>
-        <mc:Fallback>
+        <mc:Fallback xmlns="">
           <p:sp>
             <p:nvSpPr>
               <p:cNvPr id="76" name="TextBox 75">
@@ -11733,8 +12082,8 @@
           </p:sp>
         </mc:Fallback>
       </mc:AlternateContent>
-      <mc:AlternateContent xmlns:mc="http://schemas.openxmlformats.org/markup-compatibility/2006">
-        <mc:Choice xmlns:a14="http://schemas.microsoft.com/office/drawing/2010/main" Requires="a14">
+      <mc:AlternateContent xmlns:mc="http://schemas.openxmlformats.org/markup-compatibility/2006" xmlns:a14="http://schemas.microsoft.com/office/drawing/2010/main">
+        <mc:Choice Requires="a14">
           <p:sp>
             <p:nvSpPr>
               <p:cNvPr id="77" name="TextBox 76">
@@ -11763,6 +12112,7 @@
               </a:bodyPr>
               <a:lstStyle/>
               <a:p>
+                <a:pPr/>
                 <a14:m>
                   <m:oMathPara xmlns:m="http://schemas.openxmlformats.org/officeDocument/2006/math">
                     <m:oMathParaPr>
@@ -11783,7 +12133,7 @@
             </p:txBody>
           </p:sp>
         </mc:Choice>
-        <mc:Fallback>
+        <mc:Fallback xmlns="">
           <p:sp>
             <p:nvSpPr>
               <p:cNvPr id="77" name="TextBox 76">
@@ -11828,8 +12178,8 @@
           </p:sp>
         </mc:Fallback>
       </mc:AlternateContent>
-      <mc:AlternateContent xmlns:mc="http://schemas.openxmlformats.org/markup-compatibility/2006">
-        <mc:Choice xmlns:a14="http://schemas.microsoft.com/office/drawing/2010/main" Requires="a14">
+      <mc:AlternateContent xmlns:mc="http://schemas.openxmlformats.org/markup-compatibility/2006" xmlns:a14="http://schemas.microsoft.com/office/drawing/2010/main">
+        <mc:Choice Requires="a14">
           <p:sp>
             <p:nvSpPr>
               <p:cNvPr id="79" name="TextBox 78">
@@ -11858,6 +12208,7 @@
               </a:bodyPr>
               <a:lstStyle/>
               <a:p>
+                <a:pPr/>
                 <a14:m>
                   <m:oMathPara xmlns:m="http://schemas.openxmlformats.org/officeDocument/2006/math">
                     <m:oMathParaPr>
@@ -11878,7 +12229,7 @@
             </p:txBody>
           </p:sp>
         </mc:Choice>
-        <mc:Fallback>
+        <mc:Fallback xmlns="">
           <p:sp>
             <p:nvSpPr>
               <p:cNvPr id="79" name="TextBox 78">
@@ -11923,8 +12274,8 @@
           </p:sp>
         </mc:Fallback>
       </mc:AlternateContent>
-      <mc:AlternateContent xmlns:mc="http://schemas.openxmlformats.org/markup-compatibility/2006">
-        <mc:Choice xmlns:a14="http://schemas.microsoft.com/office/drawing/2010/main" Requires="a14">
+      <mc:AlternateContent xmlns:mc="http://schemas.openxmlformats.org/markup-compatibility/2006" xmlns:a14="http://schemas.microsoft.com/office/drawing/2010/main">
+        <mc:Choice Requires="a14">
           <p:sp>
             <p:nvSpPr>
               <p:cNvPr id="80" name="TextBox 79">
@@ -11953,6 +12304,7 @@
               </a:bodyPr>
               <a:lstStyle/>
               <a:p>
+                <a:pPr/>
                 <a14:m>
                   <m:oMathPara xmlns:m="http://schemas.openxmlformats.org/officeDocument/2006/math">
                     <m:oMathParaPr>
@@ -11973,7 +12325,7 @@
             </p:txBody>
           </p:sp>
         </mc:Choice>
-        <mc:Fallback>
+        <mc:Fallback xmlns="">
           <p:sp>
             <p:nvSpPr>
               <p:cNvPr id="80" name="TextBox 79">
@@ -12018,8 +12370,8 @@
           </p:sp>
         </mc:Fallback>
       </mc:AlternateContent>
-      <mc:AlternateContent xmlns:mc="http://schemas.openxmlformats.org/markup-compatibility/2006">
-        <mc:Choice xmlns:a14="http://schemas.microsoft.com/office/drawing/2010/main" Requires="a14">
+      <mc:AlternateContent xmlns:mc="http://schemas.openxmlformats.org/markup-compatibility/2006" xmlns:a14="http://schemas.microsoft.com/office/drawing/2010/main">
+        <mc:Choice Requires="a14">
           <p:sp>
             <p:nvSpPr>
               <p:cNvPr id="81" name="Rectangle 80">
@@ -12116,7 +12468,7 @@
             </p:txBody>
           </p:sp>
         </mc:Choice>
-        <mc:Fallback>
+        <mc:Fallback xmlns="">
           <p:sp>
             <p:nvSpPr>
               <p:cNvPr id="81" name="Rectangle 80">
@@ -12169,8 +12521,8 @@
           </p:sp>
         </mc:Fallback>
       </mc:AlternateContent>
-      <mc:AlternateContent xmlns:mc="http://schemas.openxmlformats.org/markup-compatibility/2006">
-        <mc:Choice xmlns:a14="http://schemas.microsoft.com/office/drawing/2010/main" Requires="a14">
+      <mc:AlternateContent xmlns:mc="http://schemas.openxmlformats.org/markup-compatibility/2006" xmlns:a14="http://schemas.microsoft.com/office/drawing/2010/main">
+        <mc:Choice Requires="a14">
           <p:sp>
             <p:nvSpPr>
               <p:cNvPr id="82" name="Rectangle 81">
@@ -12269,7 +12621,7 @@
             </p:txBody>
           </p:sp>
         </mc:Choice>
-        <mc:Fallback>
+        <mc:Fallback xmlns="">
           <p:sp>
             <p:nvSpPr>
               <p:cNvPr id="82" name="Rectangle 81">
@@ -12322,8 +12674,8 @@
           </p:sp>
         </mc:Fallback>
       </mc:AlternateContent>
-      <mc:AlternateContent xmlns:mc="http://schemas.openxmlformats.org/markup-compatibility/2006">
-        <mc:Choice xmlns:a14="http://schemas.microsoft.com/office/drawing/2010/main" Requires="a14">
+      <mc:AlternateContent xmlns:mc="http://schemas.openxmlformats.org/markup-compatibility/2006" xmlns:a14="http://schemas.microsoft.com/office/drawing/2010/main">
+        <mc:Choice Requires="a14">
           <p:sp>
             <p:nvSpPr>
               <p:cNvPr id="84" name="Rectangle 83">
@@ -12423,7 +12775,7 @@
             </p:txBody>
           </p:sp>
         </mc:Choice>
-        <mc:Fallback>
+        <mc:Fallback xmlns="">
           <p:sp>
             <p:nvSpPr>
               <p:cNvPr id="84" name="Rectangle 83">
@@ -12475,8 +12827,8 @@
           </p:sp>
         </mc:Fallback>
       </mc:AlternateContent>
-      <mc:AlternateContent xmlns:mc="http://schemas.openxmlformats.org/markup-compatibility/2006">
-        <mc:Choice xmlns:a14="http://schemas.microsoft.com/office/drawing/2010/main" Requires="a14">
+      <mc:AlternateContent xmlns:mc="http://schemas.openxmlformats.org/markup-compatibility/2006" xmlns:a14="http://schemas.microsoft.com/office/drawing/2010/main">
+        <mc:Choice Requires="a14">
           <p:sp>
             <p:nvSpPr>
               <p:cNvPr id="92" name="TextBox 91">
@@ -12674,7 +13026,7 @@
             </p:txBody>
           </p:sp>
         </mc:Choice>
-        <mc:Fallback>
+        <mc:Fallback xmlns="">
           <p:sp>
             <p:nvSpPr>
               <p:cNvPr id="92" name="TextBox 91">
@@ -12719,8 +13071,8 @@
           </p:sp>
         </mc:Fallback>
       </mc:AlternateContent>
-      <mc:AlternateContent xmlns:mc="http://schemas.openxmlformats.org/markup-compatibility/2006">
-        <mc:Choice xmlns:a14="http://schemas.microsoft.com/office/drawing/2010/main" Requires="a14">
+      <mc:AlternateContent xmlns:mc="http://schemas.openxmlformats.org/markup-compatibility/2006" xmlns:a14="http://schemas.microsoft.com/office/drawing/2010/main">
+        <mc:Choice Requires="a14">
           <p:sp>
             <p:nvSpPr>
               <p:cNvPr id="93" name="TextBox 92">
@@ -12901,7 +13253,7 @@
             </p:txBody>
           </p:sp>
         </mc:Choice>
-        <mc:Fallback>
+        <mc:Fallback xmlns="">
           <p:sp>
             <p:nvSpPr>
               <p:cNvPr id="93" name="TextBox 92">
@@ -13005,8 +13357,8 @@
           </a:p>
         </p:txBody>
       </p:sp>
-      <mc:AlternateContent xmlns:mc="http://schemas.openxmlformats.org/markup-compatibility/2006">
-        <mc:Choice xmlns:a14="http://schemas.microsoft.com/office/drawing/2010/main" Requires="a14">
+      <mc:AlternateContent xmlns:mc="http://schemas.openxmlformats.org/markup-compatibility/2006" xmlns:a14="http://schemas.microsoft.com/office/drawing/2010/main">
+        <mc:Choice Requires="a14">
           <p:sp>
             <p:nvSpPr>
               <p:cNvPr id="103" name="Rectangle 102">
@@ -13094,7 +13446,7 @@
             </p:txBody>
           </p:sp>
         </mc:Choice>
-        <mc:Fallback>
+        <mc:Fallback xmlns="">
           <p:sp>
             <p:nvSpPr>
               <p:cNvPr id="103" name="Rectangle 102">
@@ -13142,6 +13494,57 @@
               </a:p>
             </p:txBody>
           </p:sp>
+        </mc:Fallback>
+      </mc:AlternateContent>
+      <mc:AlternateContent xmlns:mc="http://schemas.openxmlformats.org/markup-compatibility/2006" xmlns:p14="http://schemas.microsoft.com/office/powerpoint/2010/main">
+        <mc:Choice Requires="p14">
+          <p:contentPart p14:bwMode="auto" r:id="rId38">
+            <p14:nvContentPartPr>
+              <p14:cNvPr id="3" name="Ink 2">
+                <a:extLst>
+                  <a:ext uri="{FF2B5EF4-FFF2-40B4-BE49-F238E27FC236}">
+                    <a16:creationId xmlns:a16="http://schemas.microsoft.com/office/drawing/2014/main" id="{CD380737-8690-47EF-B12F-A37645D2E14B}"/>
+                  </a:ext>
+                </a:extLst>
+              </p14:cNvPr>
+              <p14:cNvContentPartPr/>
+              <p14:nvPr/>
+            </p14:nvContentPartPr>
+            <p14:xfrm>
+              <a:off x="6530400" y="323640"/>
+              <a:ext cx="853920" cy="4707720"/>
+            </p14:xfrm>
+          </p:contentPart>
+        </mc:Choice>
+        <mc:Fallback xmlns="">
+          <p:pic>
+            <p:nvPicPr>
+              <p:cNvPr id="3" name="Ink 2">
+                <a:extLst>
+                  <a:ext uri="{FF2B5EF4-FFF2-40B4-BE49-F238E27FC236}">
+                    <a16:creationId xmlns:a16="http://schemas.microsoft.com/office/drawing/2014/main" id="{CD380737-8690-47EF-B12F-A37645D2E14B}"/>
+                  </a:ext>
+                </a:extLst>
+              </p:cNvPr>
+              <p:cNvPicPr/>
+              <p:nvPr/>
+            </p:nvPicPr>
+            <p:blipFill>
+              <a:blip r:embed="rId39"/>
+              <a:stretch>
+                <a:fillRect/>
+              </a:stretch>
+            </p:blipFill>
+            <p:spPr>
+              <a:xfrm>
+                <a:off x="35640" y="43560"/>
+                <a:ext cx="11916360" cy="6808320"/>
+              </a:xfrm>
+              <a:prstGeom prst="rect">
+                <a:avLst/>
+              </a:prstGeom>
+            </p:spPr>
+          </p:pic>
         </mc:Fallback>
       </mc:AlternateContent>
     </p:spTree>
